--- a/MR Fairness with Column Generation - Michael.pptx
+++ b/MR Fairness with Column Generation - Michael.pptx
@@ -39,14 +39,15 @@
     <p:sldId id="284" r:id="rId33"/>
     <p:sldId id="285" r:id="rId34"/>
     <p:sldId id="286" r:id="rId35"/>
+    <p:sldId id="287" r:id="rId36"/>
   </p:sldIdLst>
   <p:sldSz cy="6858000" cx="12192000"/>
   <p:notesSz cx="6858000" cy="9144000"/>
   <p:embeddedFontLst>
     <p:embeddedFont>
       <p:font typeface="Play"/>
-      <p:regular r:id="rId36"/>
-      <p:bold r:id="rId37"/>
+      <p:regular r:id="rId37"/>
+      <p:bold r:id="rId38"/>
     </p:embeddedFont>
   </p:embeddedFontLst>
   <p:defaultTextStyle>
@@ -280,7 +281,7 @@
   </p:defaultTextStyle>
   <p:extLst>
     <p:ext uri="GoogleSlidesCustomDataVersion2">
-      <go:slidesCustomData xmlns:go="http://customooxmlschemas.google.com/" r:id="rId38" roundtripDataSignature="AMtx7mgVV9Cdffkf0rsdkF57XxkGluj6EA=="/>
+      <go:slidesCustomData xmlns:go="http://customooxmlschemas.google.com/" r:id="rId39" roundtripDataSignature="AMtx7mhp+Zt49BHKReWaRevlOmP0c0pOjQ=="/>
     </p:ext>
   </p:extLst>
 </p:presentation>
@@ -2513,7 +2514,7 @@
       </p:grpSpPr>
       <p:sp>
         <p:nvSpPr>
-          <p:cNvPr id="247" name="Google Shape;247;g2c3e17dab92_0_23:notes"/>
+          <p:cNvPr id="247" name="Google Shape;247;g2c3e17dab92_0_101:notes"/>
           <p:cNvSpPr/>
           <p:nvPr>
             <p:ph idx="2" type="sldImg"/>
@@ -2548,7 +2549,7 @@
       </p:sp>
       <p:sp>
         <p:nvSpPr>
-          <p:cNvPr id="248" name="Google Shape;248;g2c3e17dab92_0_23:notes"/>
+          <p:cNvPr id="248" name="Google Shape;248;g2c3e17dab92_0_101:notes"/>
           <p:cNvSpPr txBox="1"/>
           <p:nvPr>
             <p:ph idx="1" type="body"/>
@@ -2612,7 +2613,7 @@
       </p:grpSpPr>
       <p:sp>
         <p:nvSpPr>
-          <p:cNvPr id="254" name="Google Shape;254;g2c3e17dab92_0_52:notes"/>
+          <p:cNvPr id="254" name="Google Shape;254;g2c3e17dab92_0_23:notes"/>
           <p:cNvSpPr/>
           <p:nvPr>
             <p:ph idx="2" type="sldImg"/>
@@ -2647,7 +2648,7 @@
       </p:sp>
       <p:sp>
         <p:nvSpPr>
-          <p:cNvPr id="255" name="Google Shape;255;g2c3e17dab92_0_52:notes"/>
+          <p:cNvPr id="255" name="Google Shape;255;g2c3e17dab92_0_23:notes"/>
           <p:cNvSpPr txBox="1"/>
           <p:nvPr>
             <p:ph idx="1" type="body"/>
@@ -2711,7 +2712,7 @@
       </p:grpSpPr>
       <p:sp>
         <p:nvSpPr>
-          <p:cNvPr id="261" name="Google Shape;261;g2c3e17dab92_0_62:notes"/>
+          <p:cNvPr id="261" name="Google Shape;261;g2c3e17dab92_0_52:notes"/>
           <p:cNvSpPr/>
           <p:nvPr>
             <p:ph idx="2" type="sldImg"/>
@@ -2746,7 +2747,7 @@
       </p:sp>
       <p:sp>
         <p:nvSpPr>
-          <p:cNvPr id="262" name="Google Shape;262;g2c3e17dab92_0_62:notes"/>
+          <p:cNvPr id="262" name="Google Shape;262;g2c3e17dab92_0_52:notes"/>
           <p:cNvSpPr txBox="1"/>
           <p:nvPr>
             <p:ph idx="1" type="body"/>
@@ -2810,7 +2811,7 @@
       </p:grpSpPr>
       <p:sp>
         <p:nvSpPr>
-          <p:cNvPr id="268" name="Google Shape;268;g2c3e17dab92_0_70:notes"/>
+          <p:cNvPr id="268" name="Google Shape;268;g2c3e17dab92_0_62:notes"/>
           <p:cNvSpPr/>
           <p:nvPr>
             <p:ph idx="2" type="sldImg"/>
@@ -2845,7 +2846,7 @@
       </p:sp>
       <p:sp>
         <p:nvSpPr>
-          <p:cNvPr id="269" name="Google Shape;269;g2c3e17dab92_0_70:notes"/>
+          <p:cNvPr id="269" name="Google Shape;269;g2c3e17dab92_0_62:notes"/>
           <p:cNvSpPr txBox="1"/>
           <p:nvPr>
             <p:ph idx="1" type="body"/>
@@ -3008,7 +3009,7 @@
       </p:grpSpPr>
       <p:sp>
         <p:nvSpPr>
-          <p:cNvPr id="275" name="Google Shape;275;g2c3e17dab92_0_77:notes"/>
+          <p:cNvPr id="275" name="Google Shape;275;g2c3e17dab92_0_70:notes"/>
           <p:cNvSpPr/>
           <p:nvPr>
             <p:ph idx="2" type="sldImg"/>
@@ -3043,7 +3044,7 @@
       </p:sp>
       <p:sp>
         <p:nvSpPr>
-          <p:cNvPr id="276" name="Google Shape;276;g2c3e17dab92_0_77:notes"/>
+          <p:cNvPr id="276" name="Google Shape;276;g2c3e17dab92_0_70:notes"/>
           <p:cNvSpPr txBox="1"/>
           <p:nvPr>
             <p:ph idx="1" type="body"/>
@@ -3107,7 +3108,7 @@
       </p:grpSpPr>
       <p:sp>
         <p:nvSpPr>
-          <p:cNvPr id="282" name="Google Shape;282;g2c3e17dab92_0_85:notes"/>
+          <p:cNvPr id="282" name="Google Shape;282;g2c3e17dab92_0_77:notes"/>
           <p:cNvSpPr/>
           <p:nvPr>
             <p:ph idx="2" type="sldImg"/>
@@ -3142,7 +3143,106 @@
       </p:sp>
       <p:sp>
         <p:nvSpPr>
-          <p:cNvPr id="283" name="Google Shape;283;g2c3e17dab92_0_85:notes"/>
+          <p:cNvPr id="283" name="Google Shape;283;g2c3e17dab92_0_77:notes"/>
+          <p:cNvSpPr txBox="1"/>
+          <p:nvPr>
+            <p:ph idx="1" type="body"/>
+          </p:nvPr>
+        </p:nvSpPr>
+        <p:spPr>
+          <a:xfrm>
+            <a:off x="685800" y="4343400"/>
+            <a:ext cx="5486400" cy="4114800"/>
+          </a:xfrm>
+          <a:prstGeom prst="rect">
+            <a:avLst/>
+          </a:prstGeom>
+        </p:spPr>
+        <p:txBody>
+          <a:bodyPr anchorCtr="0" anchor="t" bIns="91425" lIns="91425" spcFirstLastPara="1" rIns="91425" wrap="square" tIns="91425">
+            <a:noAutofit/>
+          </a:bodyPr>
+          <a:lstStyle/>
+          <a:p>
+            <a:pPr indent="0" lvl="0" marL="0" rtl="0" algn="l">
+              <a:spcBef>
+                <a:spcPts val="0"/>
+              </a:spcBef>
+              <a:spcAft>
+                <a:spcPts val="0"/>
+              </a:spcAft>
+              <a:buNone/>
+            </a:pPr>
+            <a:r>
+              <a:t/>
+            </a:r>
+            <a:endParaRPr/>
+          </a:p>
+        </p:txBody>
+      </p:sp>
+    </p:spTree>
+  </p:cSld>
+  <p:clrMapOvr>
+    <a:masterClrMapping/>
+  </p:clrMapOvr>
+</p:notes>
+</file>
+
+<file path=ppt/notesSlides/notesSlide32.xml><?xml version="1.0" encoding="utf-8"?>
+<p:notes xmlns:a="http://schemas.openxmlformats.org/drawingml/2006/main" xmlns:r="http://schemas.openxmlformats.org/officeDocument/2006/relationships" xmlns:mc="http://schemas.openxmlformats.org/markup-compatibility/2006" xmlns:mv="urn:schemas-microsoft-com:mac:vml" xmlns:p="http://schemas.openxmlformats.org/presentationml/2006/main" xmlns:c="http://schemas.openxmlformats.org/drawingml/2006/chart" xmlns:dgm="http://schemas.openxmlformats.org/drawingml/2006/diagram" xmlns:o="urn:schemas-microsoft-com:office:office" xmlns:v="urn:schemas-microsoft-com:vml" xmlns:pvml="urn:schemas-microsoft-com:office:powerpoint" xmlns:com="http://schemas.openxmlformats.org/drawingml/2006/compatibility" xmlns:p14="http://schemas.microsoft.com/office/powerpoint/2010/main" xmlns:p15="http://schemas.microsoft.com/office/powerpoint/2012/main" xmlns:ahyp="http://schemas.microsoft.com/office/drawing/2018/hyperlinkcolor" showMasterPhAnim="0" showMasterSp="0">
+  <p:cSld>
+    <p:spTree>
+      <p:nvGrpSpPr>
+        <p:cNvPr id="288" name="Shape 288"/>
+        <p:cNvGrpSpPr/>
+        <p:nvPr/>
+      </p:nvGrpSpPr>
+      <p:grpSpPr>
+        <a:xfrm>
+          <a:off x="0" y="0"/>
+          <a:ext cx="0" cy="0"/>
+          <a:chOff x="0" y="0"/>
+          <a:chExt cx="0" cy="0"/>
+        </a:xfrm>
+      </p:grpSpPr>
+      <p:sp>
+        <p:nvSpPr>
+          <p:cNvPr id="289" name="Google Shape;289;g2c3e17dab92_0_85:notes"/>
+          <p:cNvSpPr/>
+          <p:nvPr>
+            <p:ph idx="2" type="sldImg"/>
+          </p:nvPr>
+        </p:nvSpPr>
+        <p:spPr>
+          <a:xfrm>
+            <a:off x="1143225" y="685800"/>
+            <a:ext cx="4572300" cy="3429000"/>
+          </a:xfrm>
+          <a:custGeom>
+            <a:rect b="b" l="l" r="r" t="t"/>
+            <a:pathLst>
+              <a:path extrusionOk="0" h="120000" w="120000">
+                <a:moveTo>
+                  <a:pt x="0" y="0"/>
+                </a:moveTo>
+                <a:lnTo>
+                  <a:pt x="120000" y="0"/>
+                </a:lnTo>
+                <a:lnTo>
+                  <a:pt x="120000" y="120000"/>
+                </a:lnTo>
+                <a:lnTo>
+                  <a:pt x="0" y="120000"/>
+                </a:lnTo>
+                <a:close/>
+              </a:path>
+            </a:pathLst>
+          </a:custGeom>
+        </p:spPr>
+      </p:sp>
+      <p:sp>
+        <p:nvSpPr>
+          <p:cNvPr id="290" name="Google Shape;290;g2c3e17dab92_0_85:notes"/>
           <p:cNvSpPr txBox="1"/>
           <p:nvPr>
             <p:ph idx="1" type="body"/>
@@ -16466,7 +16566,7 @@
             </a:pPr>
             <a:r>
               <a:rPr lang="en-US"/>
-              <a:t>Meeting Notes 03/08</a:t>
+              <a:t>Meeting Summary 03/08</a:t>
             </a:r>
             <a:endParaRPr/>
           </a:p>
@@ -17813,9 +17913,87 @@
           <a:chExt cx="0" cy="0"/>
         </a:xfrm>
       </p:grpSpPr>
+      <p:sp>
+        <p:nvSpPr>
+          <p:cNvPr id="250" name="Google Shape;250;g2c3e17dab92_0_101"/>
+          <p:cNvSpPr txBox="1"/>
+          <p:nvPr>
+            <p:ph type="title"/>
+          </p:nvPr>
+        </p:nvSpPr>
+        <p:spPr>
+          <a:xfrm>
+            <a:off x="838200" y="365125"/>
+            <a:ext cx="10515600" cy="1325700"/>
+          </a:xfrm>
+          <a:prstGeom prst="rect">
+            <a:avLst/>
+          </a:prstGeom>
+        </p:spPr>
+        <p:txBody>
+          <a:bodyPr anchorCtr="0" anchor="ctr" bIns="45700" lIns="91425" spcFirstLastPara="1" rIns="91425" wrap="square" tIns="45700">
+            <a:normAutofit/>
+          </a:bodyPr>
+          <a:lstStyle/>
+          <a:p>
+            <a:pPr indent="0" lvl="0" marL="0" rtl="0" algn="l">
+              <a:spcBef>
+                <a:spcPts val="0"/>
+              </a:spcBef>
+              <a:spcAft>
+                <a:spcPts val="0"/>
+              </a:spcAft>
+              <a:buNone/>
+            </a:pPr>
+            <a:r>
+              <a:t/>
+            </a:r>
+            <a:endParaRPr/>
+          </a:p>
+        </p:txBody>
+      </p:sp>
+      <p:sp>
+        <p:nvSpPr>
+          <p:cNvPr id="251" name="Google Shape;251;g2c3e17dab92_0_101"/>
+          <p:cNvSpPr txBox="1"/>
+          <p:nvPr>
+            <p:ph idx="1" type="body"/>
+          </p:nvPr>
+        </p:nvSpPr>
+        <p:spPr>
+          <a:xfrm>
+            <a:off x="838200" y="1825625"/>
+            <a:ext cx="10515600" cy="4351200"/>
+          </a:xfrm>
+          <a:prstGeom prst="rect">
+            <a:avLst/>
+          </a:prstGeom>
+        </p:spPr>
+        <p:txBody>
+          <a:bodyPr anchorCtr="0" anchor="t" bIns="45700" lIns="91425" spcFirstLastPara="1" rIns="91425" wrap="square" tIns="45700">
+            <a:normAutofit/>
+          </a:bodyPr>
+          <a:lstStyle/>
+          <a:p>
+            <a:pPr indent="0" lvl="0" marL="0" rtl="0" algn="l">
+              <a:spcBef>
+                <a:spcPts val="1000"/>
+              </a:spcBef>
+              <a:spcAft>
+                <a:spcPts val="0"/>
+              </a:spcAft>
+              <a:buNone/>
+            </a:pPr>
+            <a:r>
+              <a:t/>
+            </a:r>
+            <a:endParaRPr/>
+          </a:p>
+        </p:txBody>
+      </p:sp>
       <p:pic>
         <p:nvPicPr>
-          <p:cNvPr id="250" name="Google Shape;250;g2c3e17dab92_0_23"/>
+          <p:cNvPr id="252" name="Google Shape;252;g2c3e17dab92_0_101"/>
           <p:cNvPicPr preferRelativeResize="0"/>
           <p:nvPr/>
         </p:nvPicPr>
@@ -17829,8 +18007,8 @@
         </p:blipFill>
         <p:spPr>
           <a:xfrm>
-            <a:off x="0" y="-27525"/>
-            <a:ext cx="7184918" cy="6885525"/>
+            <a:off x="940475" y="8"/>
+            <a:ext cx="8418033" cy="6298275"/>
           </a:xfrm>
           <a:prstGeom prst="rect">
             <a:avLst/>
@@ -17841,102 +18019,6 @@
           </a:ln>
         </p:spPr>
       </p:pic>
-      <p:sp>
-        <p:nvSpPr>
-          <p:cNvPr id="251" name="Google Shape;251;g2c3e17dab92_0_23"/>
-          <p:cNvSpPr txBox="1"/>
-          <p:nvPr/>
-        </p:nvSpPr>
-        <p:spPr>
-          <a:xfrm>
-            <a:off x="7626700" y="2773950"/>
-            <a:ext cx="4284600" cy="1477500"/>
-          </a:xfrm>
-          <a:prstGeom prst="rect">
-            <a:avLst/>
-          </a:prstGeom>
-          <a:noFill/>
-          <a:ln>
-            <a:noFill/>
-          </a:ln>
-        </p:spPr>
-        <p:txBody>
-          <a:bodyPr anchorCtr="0" anchor="t" bIns="91425" lIns="91425" spcFirstLastPara="1" rIns="91425" wrap="square" tIns="91425">
-            <a:spAutoFit/>
-          </a:bodyPr>
-          <a:lstStyle/>
-          <a:p>
-            <a:pPr indent="0" lvl="0" marL="0" rtl="0" algn="l">
-              <a:spcBef>
-                <a:spcPts val="0"/>
-              </a:spcBef>
-              <a:spcAft>
-                <a:spcPts val="0"/>
-              </a:spcAft>
-              <a:buNone/>
-            </a:pPr>
-            <a:r>
-              <a:rPr lang="en-US" sz="2800">
-                <a:solidFill>
-                  <a:schemeClr val="dk1"/>
-                </a:solidFill>
-              </a:rPr>
-              <a:t>Top 20 clusters in the last iteration (clusters with the highest z_i weights)</a:t>
-            </a:r>
-            <a:endParaRPr sz="2800">
-              <a:solidFill>
-                <a:schemeClr val="dk1"/>
-              </a:solidFill>
-            </a:endParaRPr>
-          </a:p>
-        </p:txBody>
-      </p:sp>
-      <p:sp>
-        <p:nvSpPr>
-          <p:cNvPr id="252" name="Google Shape;252;g2c3e17dab92_0_23"/>
-          <p:cNvSpPr txBox="1"/>
-          <p:nvPr/>
-        </p:nvSpPr>
-        <p:spPr>
-          <a:xfrm>
-            <a:off x="7626700" y="948625"/>
-            <a:ext cx="3000000" cy="1339200"/>
-          </a:xfrm>
-          <a:prstGeom prst="rect">
-            <a:avLst/>
-          </a:prstGeom>
-          <a:noFill/>
-          <a:ln>
-            <a:noFill/>
-          </a:ln>
-        </p:spPr>
-        <p:txBody>
-          <a:bodyPr anchorCtr="0" anchor="t" bIns="91425" lIns="91425" spcFirstLastPara="1" rIns="91425" wrap="square" tIns="91425">
-            <a:spAutoFit/>
-          </a:bodyPr>
-          <a:lstStyle/>
-          <a:p>
-            <a:pPr indent="0" lvl="0" marL="0" rtl="0" algn="l">
-              <a:spcBef>
-                <a:spcPts val="0"/>
-              </a:spcBef>
-              <a:spcAft>
-                <a:spcPts val="0"/>
-              </a:spcAft>
-              <a:buNone/>
-            </a:pPr>
-            <a:r>
-              <a:rPr lang="en-US" sz="2500">
-                <a:solidFill>
-                  <a:srgbClr val="FF0000"/>
-                </a:solidFill>
-              </a:rPr>
-              <a:t>Slack variables added to feasibility constraints only.</a:t>
-            </a:r>
-            <a:endParaRPr sz="700"/>
-          </a:p>
-        </p:txBody>
-      </p:sp>
     </p:spTree>
   </p:cSld>
   <p:clrMapOvr>
@@ -17962,63 +18044,9 @@
           <a:chExt cx="0" cy="0"/>
         </a:xfrm>
       </p:grpSpPr>
-      <p:sp>
-        <p:nvSpPr>
-          <p:cNvPr id="257" name="Google Shape;257;g2c3e17dab92_0_52"/>
-          <p:cNvSpPr txBox="1"/>
-          <p:nvPr/>
-        </p:nvSpPr>
-        <p:spPr>
-          <a:xfrm>
-            <a:off x="0" y="0"/>
-            <a:ext cx="12192000" cy="1169700"/>
-          </a:xfrm>
-          <a:prstGeom prst="rect">
-            <a:avLst/>
-          </a:prstGeom>
-          <a:noFill/>
-          <a:ln>
-            <a:noFill/>
-          </a:ln>
-        </p:spPr>
-        <p:txBody>
-          <a:bodyPr anchorCtr="0" anchor="t" bIns="91425" lIns="91425" spcFirstLastPara="1" rIns="91425" wrap="square" tIns="91425">
-            <a:spAutoFit/>
-          </a:bodyPr>
-          <a:lstStyle/>
-          <a:p>
-            <a:pPr indent="0" lvl="0" marL="0" rtl="0" algn="l">
-              <a:spcBef>
-                <a:spcPts val="0"/>
-              </a:spcBef>
-              <a:spcAft>
-                <a:spcPts val="0"/>
-              </a:spcAft>
-              <a:buNone/>
-            </a:pPr>
-            <a:r>
-              <a:rPr lang="en-US" sz="3200">
-                <a:solidFill>
-                  <a:schemeClr val="dk1"/>
-                </a:solidFill>
-              </a:rPr>
-              <a:t>Experiment: n = 200, k = 5, beta = [1,1,1], Prob Dist= [0.1,0.2,0.7], alpha = ½. </a:t>
-            </a:r>
-            <a:r>
-              <a:rPr lang="en-US" sz="3200">
-                <a:solidFill>
-                  <a:srgbClr val="FF0000"/>
-                </a:solidFill>
-              </a:rPr>
-              <a:t>Slack variables added to feasibility constraints only.</a:t>
-            </a:r>
-            <a:endParaRPr sz="700"/>
-          </a:p>
-        </p:txBody>
-      </p:sp>
       <p:pic>
         <p:nvPicPr>
-          <p:cNvPr id="258" name="Google Shape;258;g2c3e17dab92_0_52"/>
+          <p:cNvPr id="257" name="Google Shape;257;g2c3e17dab92_0_23"/>
           <p:cNvPicPr preferRelativeResize="0"/>
           <p:nvPr/>
         </p:nvPicPr>
@@ -18032,8 +18060,8 @@
         </p:blipFill>
         <p:spPr>
           <a:xfrm>
-            <a:off x="0" y="1744600"/>
-            <a:ext cx="5902150" cy="4753074"/>
+            <a:off x="0" y="-27525"/>
+            <a:ext cx="7184918" cy="6885525"/>
           </a:xfrm>
           <a:prstGeom prst="rect">
             <a:avLst/>
@@ -18044,24 +18072,16 @@
           </a:ln>
         </p:spPr>
       </p:pic>
-      <p:pic>
-        <p:nvPicPr>
-          <p:cNvPr id="259" name="Google Shape;259;g2c3e17dab92_0_52"/>
-          <p:cNvPicPr preferRelativeResize="0"/>
+      <p:sp>
+        <p:nvSpPr>
+          <p:cNvPr id="258" name="Google Shape;258;g2c3e17dab92_0_23"/>
+          <p:cNvSpPr txBox="1"/>
           <p:nvPr/>
-        </p:nvPicPr>
-        <p:blipFill>
-          <a:blip r:embed="rId4">
-            <a:alphaModFix/>
-          </a:blip>
-          <a:stretch>
-            <a:fillRect/>
-          </a:stretch>
-        </p:blipFill>
-        <p:spPr>
-          <a:xfrm>
-            <a:off x="6289850" y="1744612"/>
-            <a:ext cx="5902150" cy="4753060"/>
+        </p:nvSpPr>
+        <p:spPr>
+          <a:xfrm>
+            <a:off x="7626700" y="2773950"/>
+            <a:ext cx="4284600" cy="1477500"/>
           </a:xfrm>
           <a:prstGeom prst="rect">
             <a:avLst/>
@@ -18071,7 +18091,83 @@
             <a:noFill/>
           </a:ln>
         </p:spPr>
-      </p:pic>
+        <p:txBody>
+          <a:bodyPr anchorCtr="0" anchor="t" bIns="91425" lIns="91425" spcFirstLastPara="1" rIns="91425" wrap="square" tIns="91425">
+            <a:spAutoFit/>
+          </a:bodyPr>
+          <a:lstStyle/>
+          <a:p>
+            <a:pPr indent="0" lvl="0" marL="0" rtl="0" algn="l">
+              <a:spcBef>
+                <a:spcPts val="0"/>
+              </a:spcBef>
+              <a:spcAft>
+                <a:spcPts val="0"/>
+              </a:spcAft>
+              <a:buNone/>
+            </a:pPr>
+            <a:r>
+              <a:rPr lang="en-US" sz="2800">
+                <a:solidFill>
+                  <a:schemeClr val="dk1"/>
+                </a:solidFill>
+              </a:rPr>
+              <a:t>Top 20 clusters in the last iteration (clusters with the highest z_i weights)</a:t>
+            </a:r>
+            <a:endParaRPr sz="2800">
+              <a:solidFill>
+                <a:schemeClr val="dk1"/>
+              </a:solidFill>
+            </a:endParaRPr>
+          </a:p>
+        </p:txBody>
+      </p:sp>
+      <p:sp>
+        <p:nvSpPr>
+          <p:cNvPr id="259" name="Google Shape;259;g2c3e17dab92_0_23"/>
+          <p:cNvSpPr txBox="1"/>
+          <p:nvPr/>
+        </p:nvSpPr>
+        <p:spPr>
+          <a:xfrm>
+            <a:off x="7626700" y="948625"/>
+            <a:ext cx="3000000" cy="1339200"/>
+          </a:xfrm>
+          <a:prstGeom prst="rect">
+            <a:avLst/>
+          </a:prstGeom>
+          <a:noFill/>
+          <a:ln>
+            <a:noFill/>
+          </a:ln>
+        </p:spPr>
+        <p:txBody>
+          <a:bodyPr anchorCtr="0" anchor="t" bIns="91425" lIns="91425" spcFirstLastPara="1" rIns="91425" wrap="square" tIns="91425">
+            <a:spAutoFit/>
+          </a:bodyPr>
+          <a:lstStyle/>
+          <a:p>
+            <a:pPr indent="0" lvl="0" marL="0" rtl="0" algn="l">
+              <a:spcBef>
+                <a:spcPts val="0"/>
+              </a:spcBef>
+              <a:spcAft>
+                <a:spcPts val="0"/>
+              </a:spcAft>
+              <a:buNone/>
+            </a:pPr>
+            <a:r>
+              <a:rPr lang="en-US" sz="2500">
+                <a:solidFill>
+                  <a:srgbClr val="FF0000"/>
+                </a:solidFill>
+              </a:rPr>
+              <a:t>Slack variables added to feasibility constraints only.</a:t>
+            </a:r>
+            <a:endParaRPr sz="700"/>
+          </a:p>
+        </p:txBody>
+      </p:sp>
     </p:spTree>
   </p:cSld>
   <p:clrMapOvr>
@@ -18099,7 +18195,7 @@
       </p:grpSpPr>
       <p:sp>
         <p:nvSpPr>
-          <p:cNvPr id="264" name="Google Shape;264;g2c3e17dab92_0_62"/>
+          <p:cNvPr id="264" name="Google Shape;264;g2c3e17dab92_0_52"/>
           <p:cNvSpPr txBox="1"/>
           <p:nvPr/>
         </p:nvSpPr>
@@ -18153,7 +18249,7 @@
       </p:sp>
       <p:pic>
         <p:nvPicPr>
-          <p:cNvPr id="265" name="Google Shape;265;g2c3e17dab92_0_62"/>
+          <p:cNvPr id="265" name="Google Shape;265;g2c3e17dab92_0_52"/>
           <p:cNvPicPr preferRelativeResize="0"/>
           <p:nvPr/>
         </p:nvPicPr>
@@ -18167,8 +18263,8 @@
         </p:blipFill>
         <p:spPr>
           <a:xfrm>
-            <a:off x="112300" y="2005175"/>
-            <a:ext cx="5902138" cy="4753049"/>
+            <a:off x="0" y="1744600"/>
+            <a:ext cx="5902150" cy="4753074"/>
           </a:xfrm>
           <a:prstGeom prst="rect">
             <a:avLst/>
@@ -18181,7 +18277,7 @@
       </p:pic>
       <p:pic>
         <p:nvPicPr>
-          <p:cNvPr id="266" name="Google Shape;266;g2c3e17dab92_0_62"/>
+          <p:cNvPr id="266" name="Google Shape;266;g2c3e17dab92_0_52"/>
           <p:cNvPicPr preferRelativeResize="0"/>
           <p:nvPr/>
         </p:nvPicPr>
@@ -18195,8 +18291,8 @@
         </p:blipFill>
         <p:spPr>
           <a:xfrm>
-            <a:off x="6126751" y="2009726"/>
-            <a:ext cx="5641898" cy="4543475"/>
+            <a:off x="6289850" y="1744612"/>
+            <a:ext cx="5902150" cy="4753060"/>
           </a:xfrm>
           <a:prstGeom prst="rect">
             <a:avLst/>
@@ -18234,14 +18330,14 @@
       </p:grpSpPr>
       <p:sp>
         <p:nvSpPr>
-          <p:cNvPr id="271" name="Google Shape;271;g2c3e17dab92_0_70"/>
+          <p:cNvPr id="271" name="Google Shape;271;g2c3e17dab92_0_62"/>
           <p:cNvSpPr txBox="1"/>
           <p:nvPr/>
         </p:nvSpPr>
         <p:spPr>
           <a:xfrm>
-            <a:off x="7626700" y="2773950"/>
-            <a:ext cx="4284600" cy="1477500"/>
+            <a:off x="0" y="0"/>
+            <a:ext cx="12192000" cy="1169700"/>
           </a:xfrm>
           <a:prstGeom prst="rect">
             <a:avLst/>
@@ -18267,62 +18363,20 @@
               <a:buNone/>
             </a:pPr>
             <a:r>
-              <a:rPr lang="en-US" sz="2800">
+              <a:rPr lang="en-US" sz="3200">
                 <a:solidFill>
                   <a:schemeClr val="dk1"/>
                 </a:solidFill>
               </a:rPr>
-              <a:t>Top 20 clusters in the last iteration (clusters with the highest z_i weights)</a:t>
+              <a:t>Experiment: n = 200, k = 5, beta = [1,1,1], Prob Dist= [0.1,0.2,0.7], alpha = ½. </a:t>
             </a:r>
-            <a:endParaRPr sz="2800">
-              <a:solidFill>
-                <a:schemeClr val="dk1"/>
-              </a:solidFill>
-            </a:endParaRPr>
-          </a:p>
-        </p:txBody>
-      </p:sp>
-      <p:sp>
-        <p:nvSpPr>
-          <p:cNvPr id="272" name="Google Shape;272;g2c3e17dab92_0_70"/>
-          <p:cNvSpPr txBox="1"/>
-          <p:nvPr/>
-        </p:nvSpPr>
-        <p:spPr>
-          <a:xfrm>
-            <a:off x="7626700" y="948625"/>
-            <a:ext cx="3000000" cy="1723800"/>
-          </a:xfrm>
-          <a:prstGeom prst="rect">
-            <a:avLst/>
-          </a:prstGeom>
-          <a:noFill/>
-          <a:ln>
-            <a:noFill/>
-          </a:ln>
-        </p:spPr>
-        <p:txBody>
-          <a:bodyPr anchorCtr="0" anchor="t" bIns="91425" lIns="91425" spcFirstLastPara="1" rIns="91425" wrap="square" tIns="91425">
-            <a:spAutoFit/>
-          </a:bodyPr>
-          <a:lstStyle/>
-          <a:p>
-            <a:pPr indent="0" lvl="0" marL="0" rtl="0" algn="l">
-              <a:spcBef>
-                <a:spcPts val="0"/>
-              </a:spcBef>
-              <a:spcAft>
-                <a:spcPts val="0"/>
-              </a:spcAft>
-              <a:buNone/>
-            </a:pPr>
             <a:r>
-              <a:rPr lang="en-US" sz="2500">
+              <a:rPr lang="en-US" sz="3200">
                 <a:solidFill>
                   <a:srgbClr val="FF0000"/>
                 </a:solidFill>
               </a:rPr>
-              <a:t>Slack variables added to feasibility and fairness constraints.</a:t>
+              <a:t>Slack variables added to feasibility constraints only.</a:t>
             </a:r>
             <a:endParaRPr sz="700"/>
           </a:p>
@@ -18330,7 +18384,7 @@
       </p:sp>
       <p:pic>
         <p:nvPicPr>
-          <p:cNvPr id="273" name="Google Shape;273;g2c3e17dab92_0_70"/>
+          <p:cNvPr id="272" name="Google Shape;272;g2c3e17dab92_0_62"/>
           <p:cNvPicPr preferRelativeResize="0"/>
           <p:nvPr/>
         </p:nvPicPr>
@@ -18344,8 +18398,36 @@
         </p:blipFill>
         <p:spPr>
           <a:xfrm>
-            <a:off x="0" y="0"/>
-            <a:ext cx="7255151" cy="6858000"/>
+            <a:off x="112300" y="2005175"/>
+            <a:ext cx="5902138" cy="4753049"/>
+          </a:xfrm>
+          <a:prstGeom prst="rect">
+            <a:avLst/>
+          </a:prstGeom>
+          <a:noFill/>
+          <a:ln>
+            <a:noFill/>
+          </a:ln>
+        </p:spPr>
+      </p:pic>
+      <p:pic>
+        <p:nvPicPr>
+          <p:cNvPr id="273" name="Google Shape;273;g2c3e17dab92_0_62"/>
+          <p:cNvPicPr preferRelativeResize="0"/>
+          <p:nvPr/>
+        </p:nvPicPr>
+        <p:blipFill>
+          <a:blip r:embed="rId4">
+            <a:alphaModFix/>
+          </a:blip>
+          <a:stretch>
+            <a:fillRect/>
+          </a:stretch>
+        </p:blipFill>
+        <p:spPr>
+          <a:xfrm>
+            <a:off x="6126751" y="2009726"/>
+            <a:ext cx="5641898" cy="4543475"/>
           </a:xfrm>
           <a:prstGeom prst="rect">
             <a:avLst/>
@@ -18671,14 +18753,14 @@
       </p:grpSpPr>
       <p:sp>
         <p:nvSpPr>
-          <p:cNvPr id="278" name="Google Shape;278;g2c3e17dab92_0_77"/>
+          <p:cNvPr id="278" name="Google Shape;278;g2c3e17dab92_0_70"/>
           <p:cNvSpPr txBox="1"/>
           <p:nvPr/>
         </p:nvSpPr>
         <p:spPr>
           <a:xfrm>
-            <a:off x="0" y="0"/>
-            <a:ext cx="12192000" cy="1662300"/>
+            <a:off x="7626700" y="2773950"/>
+            <a:ext cx="4284600" cy="1477500"/>
           </a:xfrm>
           <a:prstGeom prst="rect">
             <a:avLst/>
@@ -18704,15 +18786,57 @@
               <a:buNone/>
             </a:pPr>
             <a:r>
-              <a:rPr lang="en-US" sz="3200">
+              <a:rPr lang="en-US" sz="2800">
                 <a:solidFill>
                   <a:schemeClr val="dk1"/>
                 </a:solidFill>
               </a:rPr>
-              <a:t>Experiment: n = 200, k = 5, beta = [1,1,1], Prob Dist= [0.1,0.2,0.7], alpha = ½. </a:t>
+              <a:t>Top 20 clusters in the last iteration (clusters with the highest z_i weights)</a:t>
             </a:r>
+            <a:endParaRPr sz="2800">
+              <a:solidFill>
+                <a:schemeClr val="dk1"/>
+              </a:solidFill>
+            </a:endParaRPr>
+          </a:p>
+        </p:txBody>
+      </p:sp>
+      <p:sp>
+        <p:nvSpPr>
+          <p:cNvPr id="279" name="Google Shape;279;g2c3e17dab92_0_70"/>
+          <p:cNvSpPr txBox="1"/>
+          <p:nvPr/>
+        </p:nvSpPr>
+        <p:spPr>
+          <a:xfrm>
+            <a:off x="7626700" y="948625"/>
+            <a:ext cx="3000000" cy="1723800"/>
+          </a:xfrm>
+          <a:prstGeom prst="rect">
+            <a:avLst/>
+          </a:prstGeom>
+          <a:noFill/>
+          <a:ln>
+            <a:noFill/>
+          </a:ln>
+        </p:spPr>
+        <p:txBody>
+          <a:bodyPr anchorCtr="0" anchor="t" bIns="91425" lIns="91425" spcFirstLastPara="1" rIns="91425" wrap="square" tIns="91425">
+            <a:spAutoFit/>
+          </a:bodyPr>
+          <a:lstStyle/>
+          <a:p>
+            <a:pPr indent="0" lvl="0" marL="0" rtl="0" algn="l">
+              <a:spcBef>
+                <a:spcPts val="0"/>
+              </a:spcBef>
+              <a:spcAft>
+                <a:spcPts val="0"/>
+              </a:spcAft>
+              <a:buNone/>
+            </a:pPr>
             <a:r>
-              <a:rPr lang="en-US" sz="3200">
+              <a:rPr lang="en-US" sz="2500">
                 <a:solidFill>
                   <a:srgbClr val="FF0000"/>
                 </a:solidFill>
@@ -18725,7 +18849,7 @@
       </p:sp>
       <p:pic>
         <p:nvPicPr>
-          <p:cNvPr id="279" name="Google Shape;279;g2c3e17dab92_0_77"/>
+          <p:cNvPr id="280" name="Google Shape;280;g2c3e17dab92_0_70"/>
           <p:cNvPicPr preferRelativeResize="0"/>
           <p:nvPr/>
         </p:nvPicPr>
@@ -18739,36 +18863,8 @@
         </p:blipFill>
         <p:spPr>
           <a:xfrm>
-            <a:off x="152400" y="1814700"/>
-            <a:ext cx="5381625" cy="4333875"/>
-          </a:xfrm>
-          <a:prstGeom prst="rect">
-            <a:avLst/>
-          </a:prstGeom>
-          <a:noFill/>
-          <a:ln>
-            <a:noFill/>
-          </a:ln>
-        </p:spPr>
-      </p:pic>
-      <p:pic>
-        <p:nvPicPr>
-          <p:cNvPr id="280" name="Google Shape;280;g2c3e17dab92_0_77"/>
-          <p:cNvPicPr preferRelativeResize="0"/>
-          <p:nvPr/>
-        </p:nvPicPr>
-        <p:blipFill>
-          <a:blip r:embed="rId4">
-            <a:alphaModFix/>
-          </a:blip>
-          <a:stretch>
-            <a:fillRect/>
-          </a:stretch>
-        </p:blipFill>
-        <p:spPr>
-          <a:xfrm>
-            <a:off x="5686425" y="1814700"/>
-            <a:ext cx="5381625" cy="4333875"/>
+            <a:off x="0" y="0"/>
+            <a:ext cx="7255151" cy="6858000"/>
           </a:xfrm>
           <a:prstGeom prst="rect">
             <a:avLst/>
@@ -18806,7 +18902,7 @@
       </p:grpSpPr>
       <p:sp>
         <p:nvSpPr>
-          <p:cNvPr id="285" name="Google Shape;285;g2c3e17dab92_0_85"/>
+          <p:cNvPr id="285" name="Google Shape;285;g2c3e17dab92_0_77"/>
           <p:cNvSpPr txBox="1"/>
           <p:nvPr/>
         </p:nvSpPr>
@@ -18860,7 +18956,7 @@
       </p:sp>
       <p:pic>
         <p:nvPicPr>
-          <p:cNvPr id="286" name="Google Shape;286;g2c3e17dab92_0_85"/>
+          <p:cNvPr id="286" name="Google Shape;286;g2c3e17dab92_0_77"/>
           <p:cNvPicPr preferRelativeResize="0"/>
           <p:nvPr/>
         </p:nvPicPr>
@@ -18888,7 +18984,142 @@
       </p:pic>
       <p:pic>
         <p:nvPicPr>
-          <p:cNvPr id="287" name="Google Shape;287;g2c3e17dab92_0_85"/>
+          <p:cNvPr id="287" name="Google Shape;287;g2c3e17dab92_0_77"/>
+          <p:cNvPicPr preferRelativeResize="0"/>
+          <p:nvPr/>
+        </p:nvPicPr>
+        <p:blipFill>
+          <a:blip r:embed="rId4">
+            <a:alphaModFix/>
+          </a:blip>
+          <a:stretch>
+            <a:fillRect/>
+          </a:stretch>
+        </p:blipFill>
+        <p:spPr>
+          <a:xfrm>
+            <a:off x="5686425" y="1814700"/>
+            <a:ext cx="5381625" cy="4333875"/>
+          </a:xfrm>
+          <a:prstGeom prst="rect">
+            <a:avLst/>
+          </a:prstGeom>
+          <a:noFill/>
+          <a:ln>
+            <a:noFill/>
+          </a:ln>
+        </p:spPr>
+      </p:pic>
+    </p:spTree>
+  </p:cSld>
+  <p:clrMapOvr>
+    <a:masterClrMapping/>
+  </p:clrMapOvr>
+</p:sld>
+</file>
+
+<file path=ppt/slides/slide32.xml><?xml version="1.0" encoding="utf-8"?>
+<p:sld xmlns:a="http://schemas.openxmlformats.org/drawingml/2006/main" xmlns:r="http://schemas.openxmlformats.org/officeDocument/2006/relationships" xmlns:mc="http://schemas.openxmlformats.org/markup-compatibility/2006" xmlns:mv="urn:schemas-microsoft-com:mac:vml" xmlns:p="http://schemas.openxmlformats.org/presentationml/2006/main" xmlns:c="http://schemas.openxmlformats.org/drawingml/2006/chart" xmlns:dgm="http://schemas.openxmlformats.org/drawingml/2006/diagram" xmlns:o="urn:schemas-microsoft-com:office:office" xmlns:v="urn:schemas-microsoft-com:vml" xmlns:pvml="urn:schemas-microsoft-com:office:powerpoint" xmlns:com="http://schemas.openxmlformats.org/drawingml/2006/compatibility" xmlns:p14="http://schemas.microsoft.com/office/powerpoint/2010/main" xmlns:p15="http://schemas.microsoft.com/office/powerpoint/2012/main" xmlns:ahyp="http://schemas.microsoft.com/office/drawing/2018/hyperlinkcolor">
+  <p:cSld>
+    <p:spTree>
+      <p:nvGrpSpPr>
+        <p:cNvPr id="291" name="Shape 291"/>
+        <p:cNvGrpSpPr/>
+        <p:nvPr/>
+      </p:nvGrpSpPr>
+      <p:grpSpPr>
+        <a:xfrm>
+          <a:off x="0" y="0"/>
+          <a:ext cx="0" cy="0"/>
+          <a:chOff x="0" y="0"/>
+          <a:chExt cx="0" cy="0"/>
+        </a:xfrm>
+      </p:grpSpPr>
+      <p:sp>
+        <p:nvSpPr>
+          <p:cNvPr id="292" name="Google Shape;292;g2c3e17dab92_0_85"/>
+          <p:cNvSpPr txBox="1"/>
+          <p:nvPr/>
+        </p:nvSpPr>
+        <p:spPr>
+          <a:xfrm>
+            <a:off x="0" y="0"/>
+            <a:ext cx="12192000" cy="1662300"/>
+          </a:xfrm>
+          <a:prstGeom prst="rect">
+            <a:avLst/>
+          </a:prstGeom>
+          <a:noFill/>
+          <a:ln>
+            <a:noFill/>
+          </a:ln>
+        </p:spPr>
+        <p:txBody>
+          <a:bodyPr anchorCtr="0" anchor="t" bIns="91425" lIns="91425" spcFirstLastPara="1" rIns="91425" wrap="square" tIns="91425">
+            <a:spAutoFit/>
+          </a:bodyPr>
+          <a:lstStyle/>
+          <a:p>
+            <a:pPr indent="0" lvl="0" marL="0" rtl="0" algn="l">
+              <a:spcBef>
+                <a:spcPts val="0"/>
+              </a:spcBef>
+              <a:spcAft>
+                <a:spcPts val="0"/>
+              </a:spcAft>
+              <a:buNone/>
+            </a:pPr>
+            <a:r>
+              <a:rPr lang="en-US" sz="3200">
+                <a:solidFill>
+                  <a:schemeClr val="dk1"/>
+                </a:solidFill>
+              </a:rPr>
+              <a:t>Experiment: n = 200, k = 5, beta = [1,1,1], Prob Dist= [0.1,0.2,0.7], alpha = ½. </a:t>
+            </a:r>
+            <a:r>
+              <a:rPr lang="en-US" sz="3200">
+                <a:solidFill>
+                  <a:srgbClr val="FF0000"/>
+                </a:solidFill>
+              </a:rPr>
+              <a:t>Slack variables added to feasibility and fairness constraints.</a:t>
+            </a:r>
+            <a:endParaRPr sz="700"/>
+          </a:p>
+        </p:txBody>
+      </p:sp>
+      <p:pic>
+        <p:nvPicPr>
+          <p:cNvPr id="293" name="Google Shape;293;g2c3e17dab92_0_85"/>
+          <p:cNvPicPr preferRelativeResize="0"/>
+          <p:nvPr/>
+        </p:nvPicPr>
+        <p:blipFill>
+          <a:blip r:embed="rId3">
+            <a:alphaModFix/>
+          </a:blip>
+          <a:stretch>
+            <a:fillRect/>
+          </a:stretch>
+        </p:blipFill>
+        <p:spPr>
+          <a:xfrm>
+            <a:off x="152400" y="1814700"/>
+            <a:ext cx="5381625" cy="4333875"/>
+          </a:xfrm>
+          <a:prstGeom prst="rect">
+            <a:avLst/>
+          </a:prstGeom>
+          <a:noFill/>
+          <a:ln>
+            <a:noFill/>
+          </a:ln>
+        </p:spPr>
+      </p:pic>
+      <p:pic>
+        <p:nvPicPr>
+          <p:cNvPr id="294" name="Google Shape;294;g2c3e17dab92_0_85"/>
           <p:cNvPicPr preferRelativeResize="0"/>
           <p:nvPr/>
         </p:nvPicPr>
